--- a/docs/slides/02-10.pptx
+++ b/docs/slides/02-10.pptx
@@ -4000,6 +4000,9 @@
           <a:bodyPr/>
           <a:lstStyle/>
           <a:p>
+            <a:endParaRPr lang="es-ES" dirty="0"/>
+          </a:p>
+          <a:p>
             <a:r>
               <a:rPr lang="es-ES" dirty="0"/>
               <a:t>Ethan </a:t>
@@ -4286,8 +4289,8 @@
         </p:blipFill>
         <p:spPr>
           <a:xfrm>
-            <a:off x="1779639" y="2544566"/>
-            <a:ext cx="8175522" cy="3857507"/>
+            <a:off x="1728019" y="2162148"/>
+            <a:ext cx="8735961" cy="4121942"/>
           </a:xfrm>
           <a:prstGeom prst="rect">
             <a:avLst/>
@@ -4565,7 +4568,7 @@
         </p:blipFill>
         <p:spPr>
           <a:xfrm>
-            <a:off x="660392" y="1300185"/>
+            <a:off x="660392" y="1123206"/>
             <a:ext cx="10576568" cy="5192690"/>
           </a:xfrm>
           <a:prstGeom prst="rect">
@@ -5917,6 +5920,84 @@
   <p:clrMapOvr>
     <a:masterClrMapping/>
   </p:clrMapOvr>
+  <p:timing>
+    <p:tnLst>
+      <p:par>
+        <p:cTn id="1" dur="indefinite" restart="never" nodeType="tmRoot">
+          <p:childTnLst>
+            <p:seq concurrent="1" nextAc="seek">
+              <p:cTn id="2" dur="indefinite" nodeType="mainSeq">
+                <p:childTnLst>
+                  <p:par>
+                    <p:cTn id="3" fill="hold">
+                      <p:stCondLst>
+                        <p:cond delay="indefinite"/>
+                      </p:stCondLst>
+                      <p:childTnLst>
+                        <p:par>
+                          <p:cTn id="4" fill="hold">
+                            <p:stCondLst>
+                              <p:cond delay="0"/>
+                            </p:stCondLst>
+                            <p:childTnLst>
+                              <p:par>
+                                <p:cTn id="5" presetID="1" presetClass="entr" presetSubtype="0" fill="hold" grpId="0" nodeType="clickEffect">
+                                  <p:stCondLst>
+                                    <p:cond delay="0"/>
+                                  </p:stCondLst>
+                                  <p:childTnLst>
+                                    <p:set>
+                                      <p:cBhvr>
+                                        <p:cTn id="6" dur="1" fill="hold">
+                                          <p:stCondLst>
+                                            <p:cond delay="0"/>
+                                          </p:stCondLst>
+                                        </p:cTn>
+                                        <p:tgtEl>
+                                          <p:spTgt spid="7"/>
+                                        </p:tgtEl>
+                                        <p:attrNameLst>
+                                          <p:attrName>style.visibility</p:attrName>
+                                        </p:attrNameLst>
+                                      </p:cBhvr>
+                                      <p:to>
+                                        <p:strVal val="visible"/>
+                                      </p:to>
+                                    </p:set>
+                                  </p:childTnLst>
+                                </p:cTn>
+                              </p:par>
+                            </p:childTnLst>
+                          </p:cTn>
+                        </p:par>
+                      </p:childTnLst>
+                    </p:cTn>
+                  </p:par>
+                </p:childTnLst>
+              </p:cTn>
+              <p:prevCondLst>
+                <p:cond evt="onPrev" delay="0">
+                  <p:tgtEl>
+                    <p:sldTgt/>
+                  </p:tgtEl>
+                </p:cond>
+              </p:prevCondLst>
+              <p:nextCondLst>
+                <p:cond evt="onNext" delay="0">
+                  <p:tgtEl>
+                    <p:sldTgt/>
+                  </p:tgtEl>
+                </p:cond>
+              </p:nextCondLst>
+            </p:seq>
+          </p:childTnLst>
+        </p:cTn>
+      </p:par>
+    </p:tnLst>
+    <p:bldLst>
+      <p:bldP spid="7" grpId="0"/>
+    </p:bldLst>
+  </p:timing>
 </p:sld>
 </file>
 
@@ -6332,7 +6413,7 @@
         </p:blipFill>
         <p:spPr>
           <a:xfrm>
-            <a:off x="1386347" y="1612578"/>
+            <a:off x="1386347" y="1769892"/>
             <a:ext cx="9419305" cy="4553793"/>
           </a:xfrm>
           <a:prstGeom prst="rect">
